--- a/content/lessons/Lesson_12/assets/content12.pptx
+++ b/content/lessons/Lesson_12/assets/content12.pptx
@@ -4800,6 +4800,54 @@
             <ac:cxnSpMk id="14" creationId="{096917A0-088D-4268-BC39-7DB8AB155CDB}"/>
           </ac:cxnSpMkLst>
         </pc:cxnChg>
+      </pc:sldChg>
+    </pc:docChg>
+  </pc:docChgLst>
+  <pc:docChgLst>
+    <pc:chgData name="fernando ribeiro" userId="9bb9909d9a55853f" providerId="Windows Live" clId="Web-{E3664652-C7CF-429F-BE27-642BB5FFDE6C}"/>
+    <pc:docChg chg="addSld modSld">
+      <pc:chgData name="fernando ribeiro" userId="9bb9909d9a55853f" providerId="Windows Live" clId="Web-{E3664652-C7CF-429F-BE27-642BB5FFDE6C}" dt="2020-11-03T18:26:43.930" v="1"/>
+      <pc:docMkLst>
+        <pc:docMk/>
+      </pc:docMkLst>
+      <pc:sldChg chg="addSp new">
+        <pc:chgData name="fernando ribeiro" userId="9bb9909d9a55853f" providerId="Windows Live" clId="Web-{E3664652-C7CF-429F-BE27-642BB5FFDE6C}" dt="2020-11-03T18:26:43.930" v="1"/>
+        <pc:sldMkLst>
+          <pc:docMk/>
+          <pc:sldMk cId="3732264174" sldId="292"/>
+        </pc:sldMkLst>
+        <pc:spChg chg="add">
+          <ac:chgData name="fernando ribeiro" userId="9bb9909d9a55853f" providerId="Windows Live" clId="Web-{E3664652-C7CF-429F-BE27-642BB5FFDE6C}" dt="2020-11-03T18:26:43.930" v="1"/>
+          <ac:spMkLst>
+            <pc:docMk/>
+            <pc:sldMk cId="3732264174" sldId="292"/>
+            <ac:spMk id="2" creationId="{D820939D-25A7-432E-A76A-0169DBEEFB2F}"/>
+          </ac:spMkLst>
+        </pc:spChg>
+        <pc:spChg chg="add">
+          <ac:chgData name="fernando ribeiro" userId="9bb9909d9a55853f" providerId="Windows Live" clId="Web-{E3664652-C7CF-429F-BE27-642BB5FFDE6C}" dt="2020-11-03T18:26:43.930" v="1"/>
+          <ac:spMkLst>
+            <pc:docMk/>
+            <pc:sldMk cId="3732264174" sldId="292"/>
+            <ac:spMk id="3" creationId="{EF8A957C-970C-45DF-8FD5-EEFC975B6E9E}"/>
+          </ac:spMkLst>
+        </pc:spChg>
+        <pc:spChg chg="add">
+          <ac:chgData name="fernando ribeiro" userId="9bb9909d9a55853f" providerId="Windows Live" clId="Web-{E3664652-C7CF-429F-BE27-642BB5FFDE6C}" dt="2020-11-03T18:26:43.930" v="1"/>
+          <ac:spMkLst>
+            <pc:docMk/>
+            <pc:sldMk cId="3732264174" sldId="292"/>
+            <ac:spMk id="4" creationId="{C00352DA-C225-4371-93F4-CEDA95786FFB}"/>
+          </ac:spMkLst>
+        </pc:spChg>
+        <pc:spChg chg="add">
+          <ac:chgData name="fernando ribeiro" userId="9bb9909d9a55853f" providerId="Windows Live" clId="Web-{E3664652-C7CF-429F-BE27-642BB5FFDE6C}" dt="2020-11-03T18:26:43.930" v="1"/>
+          <ac:spMkLst>
+            <pc:docMk/>
+            <pc:sldMk cId="3732264174" sldId="292"/>
+            <ac:spMk id="5" creationId="{B1473C4E-6C66-4BF6-AEC9-C26F39B34342}"/>
+          </ac:spMkLst>
+        </pc:spChg>
       </pc:sldChg>
     </pc:docChg>
   </pc:docChgLst>
@@ -5050,54 +5098,6 @@
       </pc:sldChg>
     </pc:docChg>
   </pc:docChgLst>
-  <pc:docChgLst>
-    <pc:chgData name="fernando ribeiro" userId="9bb9909d9a55853f" providerId="Windows Live" clId="Web-{E3664652-C7CF-429F-BE27-642BB5FFDE6C}"/>
-    <pc:docChg chg="addSld modSld">
-      <pc:chgData name="fernando ribeiro" userId="9bb9909d9a55853f" providerId="Windows Live" clId="Web-{E3664652-C7CF-429F-BE27-642BB5FFDE6C}" dt="2020-11-03T18:26:43.930" v="1"/>
-      <pc:docMkLst>
-        <pc:docMk/>
-      </pc:docMkLst>
-      <pc:sldChg chg="addSp new">
-        <pc:chgData name="fernando ribeiro" userId="9bb9909d9a55853f" providerId="Windows Live" clId="Web-{E3664652-C7CF-429F-BE27-642BB5FFDE6C}" dt="2020-11-03T18:26:43.930" v="1"/>
-        <pc:sldMkLst>
-          <pc:docMk/>
-          <pc:sldMk cId="3732264174" sldId="292"/>
-        </pc:sldMkLst>
-        <pc:spChg chg="add">
-          <ac:chgData name="fernando ribeiro" userId="9bb9909d9a55853f" providerId="Windows Live" clId="Web-{E3664652-C7CF-429F-BE27-642BB5FFDE6C}" dt="2020-11-03T18:26:43.930" v="1"/>
-          <ac:spMkLst>
-            <pc:docMk/>
-            <pc:sldMk cId="3732264174" sldId="292"/>
-            <ac:spMk id="2" creationId="{D820939D-25A7-432E-A76A-0169DBEEFB2F}"/>
-          </ac:spMkLst>
-        </pc:spChg>
-        <pc:spChg chg="add">
-          <ac:chgData name="fernando ribeiro" userId="9bb9909d9a55853f" providerId="Windows Live" clId="Web-{E3664652-C7CF-429F-BE27-642BB5FFDE6C}" dt="2020-11-03T18:26:43.930" v="1"/>
-          <ac:spMkLst>
-            <pc:docMk/>
-            <pc:sldMk cId="3732264174" sldId="292"/>
-            <ac:spMk id="3" creationId="{EF8A957C-970C-45DF-8FD5-EEFC975B6E9E}"/>
-          </ac:spMkLst>
-        </pc:spChg>
-        <pc:spChg chg="add">
-          <ac:chgData name="fernando ribeiro" userId="9bb9909d9a55853f" providerId="Windows Live" clId="Web-{E3664652-C7CF-429F-BE27-642BB5FFDE6C}" dt="2020-11-03T18:26:43.930" v="1"/>
-          <ac:spMkLst>
-            <pc:docMk/>
-            <pc:sldMk cId="3732264174" sldId="292"/>
-            <ac:spMk id="4" creationId="{C00352DA-C225-4371-93F4-CEDA95786FFB}"/>
-          </ac:spMkLst>
-        </pc:spChg>
-        <pc:spChg chg="add">
-          <ac:chgData name="fernando ribeiro" userId="9bb9909d9a55853f" providerId="Windows Live" clId="Web-{E3664652-C7CF-429F-BE27-642BB5FFDE6C}" dt="2020-11-03T18:26:43.930" v="1"/>
-          <ac:spMkLst>
-            <pc:docMk/>
-            <pc:sldMk cId="3732264174" sldId="292"/>
-            <ac:spMk id="5" creationId="{B1473C4E-6C66-4BF6-AEC9-C26F39B34342}"/>
-          </ac:spMkLst>
-        </pc:spChg>
-      </pc:sldChg>
-    </pc:docChg>
-  </pc:docChgLst>
 </pc:chgInfo>
 </file>
 
@@ -5392,7 +5392,7 @@
           <a:p>
             <a:fld id="{231357C2-0FFD-4CB2-9E89-66AF355FCF2A}" type="datetimeFigureOut">
               <a:rPr lang="pt-BR" smtClean="0"/>
-              <a:t>20/11/2021</a:t>
+              <a:t>29/03/2022</a:t>
             </a:fld>
             <a:endParaRPr lang="pt-BR"/>
           </a:p>
@@ -5562,7 +5562,7 @@
           <a:p>
             <a:fld id="{231357C2-0FFD-4CB2-9E89-66AF355FCF2A}" type="datetimeFigureOut">
               <a:rPr lang="pt-BR" smtClean="0"/>
-              <a:t>20/11/2021</a:t>
+              <a:t>29/03/2022</a:t>
             </a:fld>
             <a:endParaRPr lang="pt-BR"/>
           </a:p>
@@ -5742,7 +5742,7 @@
           <a:p>
             <a:fld id="{231357C2-0FFD-4CB2-9E89-66AF355FCF2A}" type="datetimeFigureOut">
               <a:rPr lang="pt-BR" smtClean="0"/>
-              <a:t>20/11/2021</a:t>
+              <a:t>29/03/2022</a:t>
             </a:fld>
             <a:endParaRPr lang="pt-BR"/>
           </a:p>
@@ -5912,7 +5912,7 @@
           <a:p>
             <a:fld id="{231357C2-0FFD-4CB2-9E89-66AF355FCF2A}" type="datetimeFigureOut">
               <a:rPr lang="pt-BR" smtClean="0"/>
-              <a:t>20/11/2021</a:t>
+              <a:t>29/03/2022</a:t>
             </a:fld>
             <a:endParaRPr lang="pt-BR"/>
           </a:p>
@@ -6156,7 +6156,7 @@
           <a:p>
             <a:fld id="{231357C2-0FFD-4CB2-9E89-66AF355FCF2A}" type="datetimeFigureOut">
               <a:rPr lang="pt-BR" smtClean="0"/>
-              <a:t>20/11/2021</a:t>
+              <a:t>29/03/2022</a:t>
             </a:fld>
             <a:endParaRPr lang="pt-BR"/>
           </a:p>
@@ -6388,7 +6388,7 @@
           <a:p>
             <a:fld id="{231357C2-0FFD-4CB2-9E89-66AF355FCF2A}" type="datetimeFigureOut">
               <a:rPr lang="pt-BR" smtClean="0"/>
-              <a:t>20/11/2021</a:t>
+              <a:t>29/03/2022</a:t>
             </a:fld>
             <a:endParaRPr lang="pt-BR"/>
           </a:p>
@@ -6755,7 +6755,7 @@
           <a:p>
             <a:fld id="{231357C2-0FFD-4CB2-9E89-66AF355FCF2A}" type="datetimeFigureOut">
               <a:rPr lang="pt-BR" smtClean="0"/>
-              <a:t>20/11/2021</a:t>
+              <a:t>29/03/2022</a:t>
             </a:fld>
             <a:endParaRPr lang="pt-BR"/>
           </a:p>
@@ -6873,7 +6873,7 @@
           <a:p>
             <a:fld id="{231357C2-0FFD-4CB2-9E89-66AF355FCF2A}" type="datetimeFigureOut">
               <a:rPr lang="pt-BR" smtClean="0"/>
-              <a:t>20/11/2021</a:t>
+              <a:t>29/03/2022</a:t>
             </a:fld>
             <a:endParaRPr lang="pt-BR"/>
           </a:p>
@@ -6968,7 +6968,7 @@
           <a:p>
             <a:fld id="{231357C2-0FFD-4CB2-9E89-66AF355FCF2A}" type="datetimeFigureOut">
               <a:rPr lang="pt-BR" smtClean="0"/>
-              <a:t>20/11/2021</a:t>
+              <a:t>29/03/2022</a:t>
             </a:fld>
             <a:endParaRPr lang="pt-BR"/>
           </a:p>
@@ -7245,7 +7245,7 @@
           <a:p>
             <a:fld id="{231357C2-0FFD-4CB2-9E89-66AF355FCF2A}" type="datetimeFigureOut">
               <a:rPr lang="pt-BR" smtClean="0"/>
-              <a:t>20/11/2021</a:t>
+              <a:t>29/03/2022</a:t>
             </a:fld>
             <a:endParaRPr lang="pt-BR"/>
           </a:p>
@@ -7502,7 +7502,7 @@
           <a:p>
             <a:fld id="{231357C2-0FFD-4CB2-9E89-66AF355FCF2A}" type="datetimeFigureOut">
               <a:rPr lang="pt-BR" smtClean="0"/>
-              <a:t>20/11/2021</a:t>
+              <a:t>29/03/2022</a:t>
             </a:fld>
             <a:endParaRPr lang="pt-BR"/>
           </a:p>
@@ -7715,7 +7715,7 @@
           <a:p>
             <a:fld id="{231357C2-0FFD-4CB2-9E89-66AF355FCF2A}" type="datetimeFigureOut">
               <a:rPr lang="pt-BR" smtClean="0"/>
-              <a:t>20/11/2021</a:t>
+              <a:t>29/03/2022</a:t>
             </a:fld>
             <a:endParaRPr lang="pt-BR"/>
           </a:p>
@@ -8125,7 +8125,7 @@
           <p:cNvPr id="2" name="Retângulo 1">
             <a:extLst>
               <a:ext uri="{FF2B5EF4-FFF2-40B4-BE49-F238E27FC236}">
-                <a16:creationId xmlns="" xmlns:a16="http://schemas.microsoft.com/office/drawing/2014/main" id="{58E54B24-CAF9-46C8-8854-9CCEF8A41775}"/>
+                <a16:creationId xmlns:a16="http://schemas.microsoft.com/office/drawing/2014/main" id="{58E54B24-CAF9-46C8-8854-9CCEF8A41775}"/>
               </a:ext>
             </a:extLst>
           </p:cNvPr>
@@ -8163,27 +8163,7 @@
                 <a:latin typeface="Calibri" panose="020F0502020204030204" pitchFamily="34" charset="0"/>
                 <a:cs typeface="Times New Roman" panose="02020603050405020304" pitchFamily="18" charset="0"/>
               </a:rPr>
-              <a:t>Lição 13 </a:t>
-            </a:r>
-            <a:r>
-              <a:rPr lang="pt-BR" b="1" i="1" dirty="0" smtClean="0">
-                <a:solidFill>
-                  <a:srgbClr val="002060"/>
-                </a:solidFill>
-                <a:latin typeface="Calibri" panose="020F0502020204030204" pitchFamily="34" charset="0"/>
-                <a:cs typeface="Times New Roman" panose="02020603050405020304" pitchFamily="18" charset="0"/>
-              </a:rPr>
-              <a:t>A – </a:t>
-            </a:r>
-            <a:r>
-              <a:rPr lang="pt-BR" b="1" i="1" dirty="0">
-                <a:solidFill>
-                  <a:srgbClr val="002060"/>
-                </a:solidFill>
-                <a:latin typeface="Calibri" panose="020F0502020204030204" pitchFamily="34" charset="0"/>
-                <a:cs typeface="Times New Roman" panose="02020603050405020304" pitchFamily="18" charset="0"/>
-              </a:rPr>
-              <a:t>Presente Perfeito</a:t>
+              <a:t>Lição 13 A – Presente Perfeito</a:t>
             </a:r>
           </a:p>
         </p:txBody>
@@ -8193,7 +8173,7 @@
           <p:cNvPr id="4" name="CaixaDeTexto 3">
             <a:extLst>
               <a:ext uri="{FF2B5EF4-FFF2-40B4-BE49-F238E27FC236}">
-                <a16:creationId xmlns="" xmlns:a16="http://schemas.microsoft.com/office/drawing/2014/main" id="{630CA255-2F49-4AA5-97CE-5DE96BCB6C96}"/>
+                <a16:creationId xmlns:a16="http://schemas.microsoft.com/office/drawing/2014/main" id="{630CA255-2F49-4AA5-97CE-5DE96BCB6C96}"/>
               </a:ext>
             </a:extLst>
           </p:cNvPr>
@@ -8270,7 +8250,7 @@
           <p:cNvPr id="6" name="Retângulo 5">
             <a:extLst>
               <a:ext uri="{FF2B5EF4-FFF2-40B4-BE49-F238E27FC236}">
-                <a16:creationId xmlns="" xmlns:a16="http://schemas.microsoft.com/office/drawing/2014/main" id="{07441742-EDDB-4C36-A786-E1AEF0E348A8}"/>
+                <a16:creationId xmlns:a16="http://schemas.microsoft.com/office/drawing/2014/main" id="{07441742-EDDB-4C36-A786-E1AEF0E348A8}"/>
               </a:ext>
             </a:extLst>
           </p:cNvPr>
@@ -8316,7 +8296,7 @@
                   <a:prstClr val="black"/>
                 </a:solidFill>
               </a:rPr>
-              <a:t>She has lost he wallet.</a:t>
+              <a:t>She has lost his wallet.</a:t>
             </a:r>
             <a:endParaRPr lang="pt-BR" sz="1200" dirty="0">
               <a:solidFill>
@@ -8345,7 +8325,7 @@
           <p:cNvPr id="8" name="Retângulo 7">
             <a:extLst>
               <a:ext uri="{FF2B5EF4-FFF2-40B4-BE49-F238E27FC236}">
-                <a16:creationId xmlns="" xmlns:a16="http://schemas.microsoft.com/office/drawing/2014/main" id="{E929161D-ACF9-47D6-A9A6-1D9D038297B0}"/>
+                <a16:creationId xmlns:a16="http://schemas.microsoft.com/office/drawing/2014/main" id="{E929161D-ACF9-47D6-A9A6-1D9D038297B0}"/>
               </a:ext>
             </a:extLst>
           </p:cNvPr>
@@ -8428,7 +8408,7 @@
           <p:cNvPr id="9" name="Retângulo 8">
             <a:extLst>
               <a:ext uri="{FF2B5EF4-FFF2-40B4-BE49-F238E27FC236}">
-                <a16:creationId xmlns="" xmlns:a16="http://schemas.microsoft.com/office/drawing/2014/main" id="{6EA167A7-D2A3-48FB-AFB2-22DF77891B83}"/>
+                <a16:creationId xmlns:a16="http://schemas.microsoft.com/office/drawing/2014/main" id="{6EA167A7-D2A3-48FB-AFB2-22DF77891B83}"/>
               </a:ext>
             </a:extLst>
           </p:cNvPr>
@@ -8503,7 +8483,7 @@
           <p:cNvPr id="11" name="Retângulo 10">
             <a:extLst>
               <a:ext uri="{FF2B5EF4-FFF2-40B4-BE49-F238E27FC236}">
-                <a16:creationId xmlns="" xmlns:a16="http://schemas.microsoft.com/office/drawing/2014/main" id="{E72634E2-3EE1-4940-BE80-AB6C4257FD3E}"/>
+                <a16:creationId xmlns:a16="http://schemas.microsoft.com/office/drawing/2014/main" id="{E72634E2-3EE1-4940-BE80-AB6C4257FD3E}"/>
               </a:ext>
             </a:extLst>
           </p:cNvPr>
@@ -8582,7 +8562,7 @@
           <p:cNvPr id="13" name="Retângulo 12">
             <a:extLst>
               <a:ext uri="{FF2B5EF4-FFF2-40B4-BE49-F238E27FC236}">
-                <a16:creationId xmlns="" xmlns:a16="http://schemas.microsoft.com/office/drawing/2014/main" id="{9CBB7ECE-323F-434F-9725-E08B580590BA}"/>
+                <a16:creationId xmlns:a16="http://schemas.microsoft.com/office/drawing/2014/main" id="{9CBB7ECE-323F-434F-9725-E08B580590BA}"/>
               </a:ext>
             </a:extLst>
           </p:cNvPr>
@@ -8695,7 +8675,7 @@
           <p:cNvPr id="15" name="Retângulo 14">
             <a:extLst>
               <a:ext uri="{FF2B5EF4-FFF2-40B4-BE49-F238E27FC236}">
-                <a16:creationId xmlns="" xmlns:a16="http://schemas.microsoft.com/office/drawing/2014/main" id="{8CADB209-4CFD-40B4-860A-5D7B70C5EB3E}"/>
+                <a16:creationId xmlns:a16="http://schemas.microsoft.com/office/drawing/2014/main" id="{8CADB209-4CFD-40B4-860A-5D7B70C5EB3E}"/>
               </a:ext>
             </a:extLst>
           </p:cNvPr>
@@ -8774,7 +8754,7 @@
           <p:cNvPr id="17" name="Retângulo 16">
             <a:extLst>
               <a:ext uri="{FF2B5EF4-FFF2-40B4-BE49-F238E27FC236}">
-                <a16:creationId xmlns="" xmlns:a16="http://schemas.microsoft.com/office/drawing/2014/main" id="{7E1D8FC8-9821-4563-84F9-9E63C707AC41}"/>
+                <a16:creationId xmlns:a16="http://schemas.microsoft.com/office/drawing/2014/main" id="{7E1D8FC8-9821-4563-84F9-9E63C707AC41}"/>
               </a:ext>
             </a:extLst>
           </p:cNvPr>
@@ -8844,7 +8824,7 @@
           <p:cNvPr id="18" name="Retângulo 17">
             <a:extLst>
               <a:ext uri="{FF2B5EF4-FFF2-40B4-BE49-F238E27FC236}">
-                <a16:creationId xmlns="" xmlns:a16="http://schemas.microsoft.com/office/drawing/2014/main" id="{E7F335C4-4722-4B06-B01B-F351A997C5C5}"/>
+                <a16:creationId xmlns:a16="http://schemas.microsoft.com/office/drawing/2014/main" id="{E7F335C4-4722-4B06-B01B-F351A997C5C5}"/>
               </a:ext>
             </a:extLst>
           </p:cNvPr>
@@ -8872,7 +8852,7 @@
           <a:lstStyle/>
           <a:p>
             <a:r>
-              <a:rPr lang="en-US" sz="1200" dirty="0" smtClean="0">
+              <a:rPr lang="en-US" sz="1200" dirty="0">
                 <a:latin typeface="Calibri" panose="020F0502020204030204" pitchFamily="34" charset="0"/>
                 <a:ea typeface="Calibri" panose="020F0502020204030204" pitchFamily="34" charset="0"/>
                 <a:cs typeface="Times New Roman" panose="02020603050405020304" pitchFamily="18" charset="0"/>
@@ -8917,7 +8897,7 @@
               </a:spcAft>
             </a:pPr>
             <a:r>
-              <a:rPr lang="en-US" sz="1200" dirty="0" smtClean="0">
+              <a:rPr lang="en-US" sz="1200" dirty="0">
                 <a:latin typeface="Calibri" panose="020F0502020204030204" pitchFamily="34" charset="0"/>
                 <a:ea typeface="Calibri" panose="020F0502020204030204" pitchFamily="34" charset="0"/>
                 <a:cs typeface="Times New Roman" panose="02020603050405020304" pitchFamily="18" charset="0"/>
@@ -8961,7 +8941,7 @@
               <a:t> copied the results.			</a:t>
             </a:r>
             <a:r>
-              <a:rPr lang="pt-BR" sz="1200" i="1" dirty="0" smtClean="0">
+              <a:rPr lang="pt-BR" sz="1200" i="1" dirty="0">
                 <a:solidFill>
                   <a:schemeClr val="accent2">
                     <a:lumMod val="50000"/>
@@ -8969,18 +8949,7 @@
                 </a:solidFill>
                 <a:latin typeface="Calibri" panose="020F0502020204030204" pitchFamily="34" charset="0"/>
               </a:rPr>
-              <a:t>Acabei </a:t>
-            </a:r>
-            <a:r>
-              <a:rPr lang="pt-BR" sz="1200" i="1" dirty="0">
-                <a:solidFill>
-                  <a:schemeClr val="accent2">
-                    <a:lumMod val="50000"/>
-                  </a:schemeClr>
-                </a:solidFill>
-                <a:latin typeface="Calibri" panose="020F0502020204030204" pitchFamily="34" charset="0"/>
-              </a:rPr>
-              <a:t>de copiar os resultados.</a:t>
+              <a:t>Acabei de copiar os resultados.</a:t>
             </a:r>
             <a:endParaRPr lang="pt-BR" sz="1200" dirty="0">
               <a:latin typeface="Calibri" panose="020F0502020204030204" pitchFamily="34" charset="0"/>
@@ -8995,7 +8964,7 @@
               </a:spcAft>
             </a:pPr>
             <a:r>
-              <a:rPr lang="en-US" sz="1200" dirty="0" smtClean="0">
+              <a:rPr lang="en-US" sz="1200" dirty="0">
                 <a:latin typeface="Calibri" panose="020F0502020204030204" pitchFamily="34" charset="0"/>
                 <a:ea typeface="Calibri" panose="020F0502020204030204" pitchFamily="34" charset="0"/>
                 <a:cs typeface="Times New Roman" panose="02020603050405020304" pitchFamily="18" charset="0"/>
@@ -9062,7 +9031,7 @@
               </a:spcAft>
             </a:pPr>
             <a:r>
-              <a:rPr lang="en-US" sz="1200" dirty="0" smtClean="0">
+              <a:rPr lang="en-US" sz="1200" dirty="0">
                 <a:latin typeface="Calibri" panose="020F0502020204030204" pitchFamily="34" charset="0"/>
                 <a:ea typeface="Calibri" panose="020F0502020204030204" pitchFamily="34" charset="0"/>
                 <a:cs typeface="Times New Roman" panose="02020603050405020304" pitchFamily="18" charset="0"/>
@@ -9111,7 +9080,7 @@
               </a:spcAft>
             </a:pPr>
             <a:r>
-              <a:rPr lang="en-US" sz="1200" dirty="0" smtClean="0">
+              <a:rPr lang="en-US" sz="1200" dirty="0">
                 <a:latin typeface="Calibri" panose="020F0502020204030204" pitchFamily="34" charset="0"/>
                 <a:ea typeface="Calibri" panose="020F0502020204030204" pitchFamily="34" charset="0"/>
                 <a:cs typeface="Times New Roman" panose="02020603050405020304" pitchFamily="18" charset="0"/>
@@ -9160,7 +9129,7 @@
               </a:spcAft>
             </a:pPr>
             <a:r>
-              <a:rPr lang="en-US" sz="1200" dirty="0" smtClean="0">
+              <a:rPr lang="en-US" sz="1200" dirty="0">
                 <a:latin typeface="Calibri" panose="020F0502020204030204" pitchFamily="34" charset="0"/>
                 <a:ea typeface="Calibri" panose="020F0502020204030204" pitchFamily="34" charset="0"/>
                 <a:cs typeface="Times New Roman" panose="02020603050405020304" pitchFamily="18" charset="0"/>
@@ -9209,7 +9178,7 @@
               </a:spcAft>
             </a:pPr>
             <a:r>
-              <a:rPr lang="en-US" sz="1200" dirty="0" smtClean="0">
+              <a:rPr lang="en-US" sz="1200" dirty="0">
                 <a:latin typeface="Calibri" panose="020F0502020204030204" pitchFamily="34" charset="0"/>
                 <a:ea typeface="Calibri" panose="020F0502020204030204" pitchFamily="34" charset="0"/>
                 <a:cs typeface="Times New Roman" panose="02020603050405020304" pitchFamily="18" charset="0"/>
@@ -9258,48 +9227,12 @@
               </a:spcAft>
             </a:pPr>
             <a:r>
-              <a:rPr lang="en-US" sz="1200" dirty="0" err="1" smtClean="0">
+              <a:rPr lang="en-US" sz="1200" dirty="0" err="1">
                 <a:latin typeface="Calibri" panose="020F0502020204030204" pitchFamily="34" charset="0"/>
                 <a:ea typeface="Calibri" panose="020F0502020204030204" pitchFamily="34" charset="0"/>
                 <a:cs typeface="Times New Roman" panose="02020603050405020304" pitchFamily="18" charset="0"/>
               </a:rPr>
               <a:t>i</a:t>
-            </a:r>
-            <a:r>
-              <a:rPr lang="en-US" sz="1200" dirty="0" smtClean="0">
-                <a:latin typeface="Calibri" panose="020F0502020204030204" pitchFamily="34" charset="0"/>
-                <a:ea typeface="Calibri" panose="020F0502020204030204" pitchFamily="34" charset="0"/>
-                <a:cs typeface="Times New Roman" panose="02020603050405020304" pitchFamily="18" charset="0"/>
-              </a:rPr>
-              <a:t>) She</a:t>
-            </a:r>
-            <a:r>
-              <a:rPr lang="en-US" sz="1200" b="1" dirty="0" smtClean="0">
-                <a:latin typeface="Calibri" panose="020F0502020204030204" pitchFamily="34" charset="0"/>
-                <a:ea typeface="Calibri" panose="020F0502020204030204" pitchFamily="34" charset="0"/>
-                <a:cs typeface="Times New Roman" panose="02020603050405020304" pitchFamily="18" charset="0"/>
-              </a:rPr>
-              <a:t>'</a:t>
-            </a:r>
-            <a:r>
-              <a:rPr lang="en-US" sz="1200" b="1" dirty="0" smtClean="0">
-                <a:solidFill>
-                  <a:srgbClr val="1F7872"/>
-                </a:solidFill>
-                <a:latin typeface="Calibri" panose="020F0502020204030204" pitchFamily="34" charset="0"/>
-                <a:cs typeface="Times New Roman" panose="02020603050405020304" pitchFamily="18" charset="0"/>
-              </a:rPr>
-              <a:t>s </a:t>
-            </a:r>
-            <a:r>
-              <a:rPr lang="en-US" sz="1200" b="1" dirty="0">
-                <a:solidFill>
-                  <a:srgbClr val="1F7872"/>
-                </a:solidFill>
-                <a:latin typeface="Calibri" panose="020F0502020204030204" pitchFamily="34" charset="0"/>
-                <a:cs typeface="Times New Roman" panose="02020603050405020304" pitchFamily="18" charset="0"/>
-              </a:rPr>
-              <a:t>studied </a:t>
             </a:r>
             <a:r>
               <a:rPr lang="en-US" sz="1200" dirty="0">
@@ -9307,10 +9240,36 @@
                 <a:ea typeface="Calibri" panose="020F0502020204030204" pitchFamily="34" charset="0"/>
                 <a:cs typeface="Times New Roman" panose="02020603050405020304" pitchFamily="18" charset="0"/>
               </a:rPr>
+              <a:t>) She</a:t>
+            </a:r>
+            <a:r>
+              <a:rPr lang="en-US" sz="1200" b="1" dirty="0">
+                <a:latin typeface="Calibri" panose="020F0502020204030204" pitchFamily="34" charset="0"/>
+                <a:ea typeface="Calibri" panose="020F0502020204030204" pitchFamily="34" charset="0"/>
+                <a:cs typeface="Times New Roman" panose="02020603050405020304" pitchFamily="18" charset="0"/>
+              </a:rPr>
+              <a:t>'</a:t>
+            </a:r>
+            <a:r>
+              <a:rPr lang="en-US" sz="1200" b="1" dirty="0">
+                <a:solidFill>
+                  <a:srgbClr val="1F7872"/>
+                </a:solidFill>
+                <a:latin typeface="Calibri" panose="020F0502020204030204" pitchFamily="34" charset="0"/>
+                <a:cs typeface="Times New Roman" panose="02020603050405020304" pitchFamily="18" charset="0"/>
+              </a:rPr>
+              <a:t>s studied </a:t>
+            </a:r>
+            <a:r>
+              <a:rPr lang="en-US" sz="1200" dirty="0">
+                <a:latin typeface="Calibri" panose="020F0502020204030204" pitchFamily="34" charset="0"/>
+                <a:ea typeface="Calibri" panose="020F0502020204030204" pitchFamily="34" charset="0"/>
+                <a:cs typeface="Times New Roman" panose="02020603050405020304" pitchFamily="18" charset="0"/>
+              </a:rPr>
               <a:t>Japanese and English.		</a:t>
             </a:r>
             <a:r>
-              <a:rPr lang="pt-BR" sz="1200" i="1" dirty="0" smtClean="0">
+              <a:rPr lang="pt-BR" sz="1200" i="1" dirty="0">
                 <a:solidFill>
                   <a:schemeClr val="accent2">
                     <a:lumMod val="50000"/>
@@ -9318,18 +9277,7 @@
                 </a:solidFill>
                 <a:latin typeface="Calibri" panose="020F0502020204030204" pitchFamily="34" charset="0"/>
               </a:rPr>
-              <a:t> </a:t>
-            </a:r>
-            <a:r>
-              <a:rPr lang="pt-BR" sz="1200" i="1" dirty="0">
-                <a:solidFill>
-                  <a:schemeClr val="accent2">
-                    <a:lumMod val="50000"/>
-                  </a:schemeClr>
-                </a:solidFill>
-                <a:latin typeface="Calibri" panose="020F0502020204030204" pitchFamily="34" charset="0"/>
-              </a:rPr>
-              <a:t>Ela estudou japonês e inglês.</a:t>
+              <a:t> Ela estudou japonês e inglês.</a:t>
             </a:r>
             <a:endParaRPr lang="pt-BR" sz="1200" dirty="0">
               <a:latin typeface="Calibri" panose="020F0502020204030204" pitchFamily="34" charset="0"/>
@@ -9339,51 +9287,33 @@
           </a:p>
           <a:p>
             <a:r>
-              <a:rPr lang="en-US" sz="1200" dirty="0" smtClean="0">
-                <a:latin typeface="Calibri" panose="020F0502020204030204" pitchFamily="34" charset="0"/>
-                <a:ea typeface="Calibri" panose="020F0502020204030204" pitchFamily="34" charset="0"/>
-                <a:cs typeface="Times New Roman" panose="02020603050405020304" pitchFamily="18" charset="0"/>
-              </a:rPr>
-              <a:t>j) </a:t>
-            </a:r>
-            <a:r>
-              <a:rPr lang="en-US" sz="1200" b="1" dirty="0" smtClean="0">
-                <a:solidFill>
-                  <a:srgbClr val="1F7872"/>
-                </a:solidFill>
-                <a:latin typeface="Calibri" panose="020F0502020204030204" pitchFamily="34" charset="0"/>
-                <a:cs typeface="Times New Roman" panose="02020603050405020304" pitchFamily="18" charset="0"/>
-              </a:rPr>
-              <a:t>I’ve </a:t>
-            </a:r>
-            <a:r>
-              <a:rPr lang="en-US" sz="1200" b="1" dirty="0">
-                <a:solidFill>
-                  <a:srgbClr val="1F7872"/>
-                </a:solidFill>
-                <a:latin typeface="Calibri" panose="020F0502020204030204" pitchFamily="34" charset="0"/>
-                <a:cs typeface="Times New Roman" panose="02020603050405020304" pitchFamily="18" charset="0"/>
-              </a:rPr>
-              <a:t>lost </a:t>
-            </a:r>
-            <a:r>
               <a:rPr lang="en-US" sz="1200" dirty="0">
                 <a:latin typeface="Calibri" panose="020F0502020204030204" pitchFamily="34" charset="0"/>
                 <a:ea typeface="Calibri" panose="020F0502020204030204" pitchFamily="34" charset="0"/>
                 <a:cs typeface="Times New Roman" panose="02020603050405020304" pitchFamily="18" charset="0"/>
               </a:rPr>
-              <a:t>them!					</a:t>
-            </a:r>
-            <a:r>
-              <a:rPr lang="en-US" sz="1200" dirty="0" smtClean="0">
+              <a:t>j) </a:t>
+            </a:r>
+            <a:r>
+              <a:rPr lang="en-US" sz="1200" b="1" dirty="0">
+                <a:solidFill>
+                  <a:srgbClr val="1F7872"/>
+                </a:solidFill>
+                <a:latin typeface="Calibri" panose="020F0502020204030204" pitchFamily="34" charset="0"/>
+                <a:cs typeface="Times New Roman" panose="02020603050405020304" pitchFamily="18" charset="0"/>
+              </a:rPr>
+              <a:t>I’ve lost </a:t>
+            </a:r>
+            <a:r>
+              <a:rPr lang="en-US" sz="1200" dirty="0">
                 <a:latin typeface="Calibri" panose="020F0502020204030204" pitchFamily="34" charset="0"/>
                 <a:ea typeface="Calibri" panose="020F0502020204030204" pitchFamily="34" charset="0"/>
                 <a:cs typeface="Times New Roman" panose="02020603050405020304" pitchFamily="18" charset="0"/>
               </a:rPr>
-              <a:t> </a:t>
-            </a:r>
-            <a:r>
-              <a:rPr lang="pt-BR" sz="1200" i="1" dirty="0" smtClean="0">
+              <a:t>them!					 </a:t>
+            </a:r>
+            <a:r>
+              <a:rPr lang="pt-BR" sz="1200" i="1" dirty="0">
                 <a:solidFill>
                   <a:schemeClr val="accent2">
                     <a:lumMod val="50000"/>
@@ -9391,18 +9321,7 @@
                 </a:solidFill>
                 <a:latin typeface="Calibri" panose="020F0502020204030204" pitchFamily="34" charset="0"/>
               </a:rPr>
-              <a:t>Eu </a:t>
-            </a:r>
-            <a:r>
-              <a:rPr lang="pt-BR" sz="1200" i="1" dirty="0">
-                <a:solidFill>
-                  <a:schemeClr val="accent2">
-                    <a:lumMod val="50000"/>
-                  </a:schemeClr>
-                </a:solidFill>
-                <a:latin typeface="Calibri" panose="020F0502020204030204" pitchFamily="34" charset="0"/>
-              </a:rPr>
-              <a:t>os perdi!</a:t>
+              <a:t>Eu os perdi!</a:t>
             </a:r>
           </a:p>
           <a:p>
@@ -9412,7 +9331,7 @@
               </a:spcAft>
             </a:pPr>
             <a:r>
-              <a:rPr lang="en-US" sz="1200" dirty="0" smtClean="0">
+              <a:rPr lang="en-US" sz="1200" dirty="0">
                 <a:latin typeface="Calibri" panose="020F0502020204030204" pitchFamily="34" charset="0"/>
                 <a:ea typeface="Calibri" panose="020F0502020204030204" pitchFamily="34" charset="0"/>
                 <a:cs typeface="Times New Roman" panose="02020603050405020304" pitchFamily="18" charset="0"/>
@@ -9461,7 +9380,7 @@
           <p:cNvPr id="24" name="CaixaDeTexto 23">
             <a:extLst>
               <a:ext uri="{FF2B5EF4-FFF2-40B4-BE49-F238E27FC236}">
-                <a16:creationId xmlns="" xmlns:a16="http://schemas.microsoft.com/office/drawing/2014/main" id="{71AA4C7F-C637-4E91-8098-E8A950CA701E}"/>
+                <a16:creationId xmlns:a16="http://schemas.microsoft.com/office/drawing/2014/main" id="{71AA4C7F-C637-4E91-8098-E8A950CA701E}"/>
               </a:ext>
             </a:extLst>
           </p:cNvPr>
@@ -9471,7 +9390,7 @@
         <p:spPr>
           <a:xfrm>
             <a:off x="381786" y="3975560"/>
-            <a:ext cx="2783975" cy="1569660"/>
+            <a:ext cx="2783975" cy="1200329"/>
           </a:xfrm>
           <a:prstGeom prst="rect">
             <a:avLst/>
@@ -9503,21 +9422,21 @@
             </a:r>
             <a:r>
               <a:rPr lang="pt-BR" sz="1200" b="1" dirty="0"/>
-              <a:t>já, alguma vez na sua vida, indicar que algo é o maior, o melhor,  o mais interessante de todos os tempo.</a:t>
-            </a:r>
-          </a:p>
-          <a:p>
+              <a:t>já, alguma vez na sua vida</a:t>
+            </a:r>
+            <a:r>
+              <a:rPr lang="pt-BR" sz="1200" b="1"/>
+              <a:t>, </a:t>
+            </a:r>
+          </a:p>
+          <a:p>
+            <a:r>
+              <a:rPr lang="pt-BR" sz="1200"/>
+              <a:t>Have </a:t>
+            </a:r>
             <a:r>
               <a:rPr lang="pt-BR" sz="1200" dirty="0"/>
-              <a:t>Have you </a:t>
-            </a:r>
-            <a:r>
-              <a:rPr lang="pt-BR" sz="1200" dirty="0" err="1"/>
-              <a:t>ever</a:t>
-            </a:r>
-            <a:r>
-              <a:rPr lang="pt-BR" sz="1200" dirty="0"/>
-              <a:t> </a:t>
+              <a:t>you ever </a:t>
             </a:r>
             <a:r>
               <a:rPr lang="pt-BR" sz="1200" dirty="0" err="1"/>
@@ -9611,7 +9530,7 @@
           <p:cNvPr id="26" name="Retângulo 25">
             <a:extLst>
               <a:ext uri="{FF2B5EF4-FFF2-40B4-BE49-F238E27FC236}">
-                <a16:creationId xmlns="" xmlns:a16="http://schemas.microsoft.com/office/drawing/2014/main" id="{CED095BD-58D8-49B9-AAE5-0D74D150574A}"/>
+                <a16:creationId xmlns:a16="http://schemas.microsoft.com/office/drawing/2014/main" id="{CED095BD-58D8-49B9-AAE5-0D74D150574A}"/>
               </a:ext>
             </a:extLst>
           </p:cNvPr>
@@ -9768,7 +9687,7 @@
           <p:cNvPr id="30" name="Retângulo 29">
             <a:extLst>
               <a:ext uri="{FF2B5EF4-FFF2-40B4-BE49-F238E27FC236}">
-                <a16:creationId xmlns="" xmlns:a16="http://schemas.microsoft.com/office/drawing/2014/main" id="{272D2AC2-4E3A-42A2-B1B1-F33E09CACC0A}"/>
+                <a16:creationId xmlns:a16="http://schemas.microsoft.com/office/drawing/2014/main" id="{272D2AC2-4E3A-42A2-B1B1-F33E09CACC0A}"/>
               </a:ext>
             </a:extLst>
           </p:cNvPr>
@@ -9889,7 +9808,7 @@
           <p:cNvPr id="32" name="Retângulo 31">
             <a:extLst>
               <a:ext uri="{FF2B5EF4-FFF2-40B4-BE49-F238E27FC236}">
-                <a16:creationId xmlns="" xmlns:a16="http://schemas.microsoft.com/office/drawing/2014/main" id="{93503284-012E-4221-9309-A7E98FC6D1BA}"/>
+                <a16:creationId xmlns:a16="http://schemas.microsoft.com/office/drawing/2014/main" id="{93503284-012E-4221-9309-A7E98FC6D1BA}"/>
               </a:ext>
             </a:extLst>
           </p:cNvPr>
@@ -10018,7 +9937,7 @@
           <p:cNvPr id="34" name="Retângulo 33">
             <a:extLst>
               <a:ext uri="{FF2B5EF4-FFF2-40B4-BE49-F238E27FC236}">
-                <a16:creationId xmlns="" xmlns:a16="http://schemas.microsoft.com/office/drawing/2014/main" id="{E7E32821-BFC3-43CA-A7E1-0A736A856B16}"/>
+                <a16:creationId xmlns:a16="http://schemas.microsoft.com/office/drawing/2014/main" id="{E7E32821-BFC3-43CA-A7E1-0A736A856B16}"/>
               </a:ext>
             </a:extLst>
           </p:cNvPr>
@@ -10155,7 +10074,7 @@
           <p:cNvPr id="35" name="CaixaDeTexto 34">
             <a:extLst>
               <a:ext uri="{FF2B5EF4-FFF2-40B4-BE49-F238E27FC236}">
-                <a16:creationId xmlns="" xmlns:a16="http://schemas.microsoft.com/office/drawing/2014/main" id="{E725D3B7-BECA-4FF4-8701-CCCC6CB2AC3A}"/>
+                <a16:creationId xmlns:a16="http://schemas.microsoft.com/office/drawing/2014/main" id="{E725D3B7-BECA-4FF4-8701-CCCC6CB2AC3A}"/>
               </a:ext>
             </a:extLst>
           </p:cNvPr>
@@ -10179,20 +10098,12 @@
           <a:lstStyle/>
           <a:p>
             <a:r>
-              <a:rPr lang="pt-BR" sz="1400" b="1" dirty="0" smtClean="0">
+              <a:rPr lang="pt-BR" sz="1400" b="1" dirty="0">
                 <a:solidFill>
                   <a:srgbClr val="C00000"/>
                 </a:solidFill>
               </a:rPr>
-              <a:t>1 - RESUMO </a:t>
-            </a:r>
-            <a:r>
-              <a:rPr lang="pt-BR" sz="1400" b="1" dirty="0">
-                <a:solidFill>
-                  <a:srgbClr val="C00000"/>
-                </a:solidFill>
-              </a:rPr>
-              <a:t>GRAMATICAL</a:t>
+              <a:t>1 - RESUMO GRAMATICAL</a:t>
             </a:r>
           </a:p>
         </p:txBody>
@@ -10202,7 +10113,7 @@
           <p:cNvPr id="20" name="Retângulo 19">
             <a:extLst>
               <a:ext uri="{FF2B5EF4-FFF2-40B4-BE49-F238E27FC236}">
-                <a16:creationId xmlns="" xmlns:a16="http://schemas.microsoft.com/office/drawing/2014/main" id="{78B866E2-6E1F-485F-B503-97DE706F66DC}"/>
+                <a16:creationId xmlns:a16="http://schemas.microsoft.com/office/drawing/2014/main" id="{78B866E2-6E1F-485F-B503-97DE706F66DC}"/>
               </a:ext>
             </a:extLst>
           </p:cNvPr>
@@ -10225,7 +10136,7 @@
           <a:lstStyle/>
           <a:p>
             <a:r>
-              <a:rPr lang="en-US" sz="1400" b="1" dirty="0" smtClean="0">
+              <a:rPr lang="en-US" sz="1400" b="1" dirty="0">
                 <a:solidFill>
                   <a:srgbClr val="1F7872"/>
                 </a:solidFill>
@@ -10275,7 +10186,7 @@
           <p:cNvPr id="8" name="Retângulo 7">
             <a:extLst>
               <a:ext uri="{FF2B5EF4-FFF2-40B4-BE49-F238E27FC236}">
-                <a16:creationId xmlns="" xmlns:a16="http://schemas.microsoft.com/office/drawing/2014/main" id="{5EA0CE71-CFE3-4DE7-85D0-0299B55EFE9A}"/>
+                <a16:creationId xmlns:a16="http://schemas.microsoft.com/office/drawing/2014/main" id="{5EA0CE71-CFE3-4DE7-85D0-0299B55EFE9A}"/>
               </a:ext>
             </a:extLst>
           </p:cNvPr>
@@ -10303,20 +10214,12 @@
           <a:lstStyle/>
           <a:p>
             <a:r>
-              <a:rPr lang="en-US" sz="1200" dirty="0" smtClean="0">
+              <a:rPr lang="en-US" sz="1200" dirty="0">
                 <a:solidFill>
                   <a:srgbClr val="3D4C53"/>
                 </a:solidFill>
               </a:rPr>
-              <a:t>a) When </a:t>
-            </a:r>
-            <a:r>
-              <a:rPr lang="en-US" sz="1200" dirty="0">
-                <a:solidFill>
-                  <a:srgbClr val="3D4C53"/>
-                </a:solidFill>
-              </a:rPr>
-              <a:t>have you made a mistake in your life? What was it? What were the consequences?</a:t>
+              <a:t>a) When have you made a mistake in your life? What was it? What were the consequences?</a:t>
             </a:r>
           </a:p>
           <a:p>
@@ -10369,7 +10272,7 @@
           <p:cNvPr id="9" name="CaixaDeTexto 8">
             <a:extLst>
               <a:ext uri="{FF2B5EF4-FFF2-40B4-BE49-F238E27FC236}">
-                <a16:creationId xmlns="" xmlns:a16="http://schemas.microsoft.com/office/drawing/2014/main" id="{3F42DD7B-E8CB-4D0B-98FE-776651C7CC90}"/>
+                <a16:creationId xmlns:a16="http://schemas.microsoft.com/office/drawing/2014/main" id="{3F42DD7B-E8CB-4D0B-98FE-776651C7CC90}"/>
               </a:ext>
             </a:extLst>
           </p:cNvPr>
@@ -10393,20 +10296,12 @@
           <a:lstStyle/>
           <a:p>
             <a:r>
-              <a:rPr lang="pt-BR" sz="1400" b="1" dirty="0" smtClean="0">
+              <a:rPr lang="pt-BR" sz="1400" b="1" dirty="0">
                 <a:solidFill>
                   <a:srgbClr val="3D4C53"/>
                 </a:solidFill>
               </a:rPr>
-              <a:t>3 - PERGUNTAS </a:t>
-            </a:r>
-            <a:r>
-              <a:rPr lang="pt-BR" sz="1400" b="1" dirty="0">
-                <a:solidFill>
-                  <a:srgbClr val="3D4C53"/>
-                </a:solidFill>
-              </a:rPr>
-              <a:t>GRAMATICAIS</a:t>
+              <a:t>3 - PERGUNTAS GRAMATICAIS</a:t>
             </a:r>
           </a:p>
         </p:txBody>
@@ -10416,7 +10311,7 @@
           <p:cNvPr id="11" name="Retângulo 10">
             <a:extLst>
               <a:ext uri="{FF2B5EF4-FFF2-40B4-BE49-F238E27FC236}">
-                <a16:creationId xmlns="" xmlns:a16="http://schemas.microsoft.com/office/drawing/2014/main" id="{F4A18248-42FE-429C-BA63-BB6EBC842BAB}"/>
+                <a16:creationId xmlns:a16="http://schemas.microsoft.com/office/drawing/2014/main" id="{F4A18248-42FE-429C-BA63-BB6EBC842BAB}"/>
               </a:ext>
             </a:extLst>
           </p:cNvPr>
@@ -10444,7 +10339,7 @@
           <a:lstStyle/>
           <a:p>
             <a:r>
-              <a:rPr lang="pt-BR" sz="1200" dirty="0" smtClean="0">
+              <a:rPr lang="pt-BR" sz="1200" dirty="0">
                 <a:solidFill>
                   <a:srgbClr val="3D4C53"/>
                 </a:solidFill>
@@ -10452,7 +10347,7 @@
               <a:t>a) </a:t>
             </a:r>
             <a:r>
-              <a:rPr lang="pt-BR" sz="1200" dirty="0" err="1" smtClean="0">
+              <a:rPr lang="pt-BR" sz="1200" dirty="0" err="1">
                 <a:solidFill>
                   <a:srgbClr val="3D4C53"/>
                 </a:solidFill>
@@ -10460,20 +10355,12 @@
               <a:t>Where</a:t>
             </a:r>
             <a:r>
-              <a:rPr lang="pt-BR" sz="1200" dirty="0" smtClean="0">
+              <a:rPr lang="pt-BR" sz="1200" dirty="0">
                 <a:solidFill>
                   <a:srgbClr val="3D4C53"/>
                 </a:solidFill>
               </a:rPr>
-              <a:t> </a:t>
-            </a:r>
-            <a:r>
-              <a:rPr lang="pt-BR" sz="1200" dirty="0">
-                <a:solidFill>
-                  <a:srgbClr val="3D4C53"/>
-                </a:solidFill>
-              </a:rPr>
-              <a:t>have you </a:t>
+              <a:t> have you </a:t>
             </a:r>
             <a:r>
               <a:rPr lang="pt-BR" sz="1200" dirty="0" err="1">
@@ -10514,7 +10401,7 @@
           </a:p>
           <a:p>
             <a:r>
-              <a:rPr lang="pt-BR" sz="1200" dirty="0" smtClean="0">
+              <a:rPr lang="pt-BR" sz="1200" dirty="0">
                 <a:solidFill>
                   <a:srgbClr val="3D4C53"/>
                 </a:solidFill>
@@ -10522,7 +10409,7 @@
               <a:t>b) </a:t>
             </a:r>
             <a:r>
-              <a:rPr lang="pt-BR" sz="1200" dirty="0" err="1" smtClean="0">
+              <a:rPr lang="pt-BR" sz="1200" dirty="0" err="1">
                 <a:solidFill>
                   <a:srgbClr val="3D4C53"/>
                 </a:solidFill>
@@ -10530,20 +10417,12 @@
               <a:t>Has</a:t>
             </a:r>
             <a:r>
-              <a:rPr lang="pt-BR" sz="1200" dirty="0" smtClean="0">
+              <a:rPr lang="pt-BR" sz="1200" dirty="0">
                 <a:solidFill>
                   <a:srgbClr val="3D4C53"/>
                 </a:solidFill>
               </a:rPr>
-              <a:t> </a:t>
-            </a:r>
-            <a:r>
-              <a:rPr lang="pt-BR" sz="1200" dirty="0">
-                <a:solidFill>
-                  <a:srgbClr val="3D4C53"/>
-                </a:solidFill>
-              </a:rPr>
-              <a:t>your </a:t>
+              <a:t> your </a:t>
             </a:r>
             <a:r>
               <a:rPr lang="pt-BR" sz="1200" dirty="0" err="1">
@@ -10603,7 +10482,7 @@
           </a:p>
           <a:p>
             <a:r>
-              <a:rPr lang="pt-BR" sz="1200" dirty="0" smtClean="0">
+              <a:rPr lang="pt-BR" sz="1200" dirty="0">
                 <a:solidFill>
                   <a:srgbClr val="3D4C53"/>
                 </a:solidFill>
@@ -10611,7 +10490,7 @@
               <a:t>c) </a:t>
             </a:r>
             <a:r>
-              <a:rPr lang="pt-BR" sz="1200" dirty="0" err="1" smtClean="0">
+              <a:rPr lang="pt-BR" sz="1200" dirty="0" err="1">
                 <a:solidFill>
                   <a:srgbClr val="3D4C53"/>
                 </a:solidFill>
@@ -10619,20 +10498,12 @@
               <a:t>Have</a:t>
             </a:r>
             <a:r>
-              <a:rPr lang="pt-BR" sz="1200" dirty="0" smtClean="0">
+              <a:rPr lang="pt-BR" sz="1200" dirty="0">
                 <a:solidFill>
                   <a:srgbClr val="3D4C53"/>
                 </a:solidFill>
               </a:rPr>
-              <a:t> </a:t>
-            </a:r>
-            <a:r>
-              <a:rPr lang="pt-BR" sz="1200" dirty="0">
-                <a:solidFill>
-                  <a:srgbClr val="3D4C53"/>
-                </a:solidFill>
-              </a:rPr>
-              <a:t>you </a:t>
+              <a:t> you </a:t>
             </a:r>
             <a:r>
               <a:rPr lang="pt-BR" sz="1200" dirty="0" err="1">
@@ -10692,20 +10563,12 @@
           </a:p>
           <a:p>
             <a:r>
-              <a:rPr lang="en-US" sz="1200" dirty="0" smtClean="0">
+              <a:rPr lang="en-US" sz="1200" dirty="0">
                 <a:solidFill>
                   <a:srgbClr val="3D4C53"/>
                 </a:solidFill>
               </a:rPr>
-              <a:t>d) Have </a:t>
-            </a:r>
-            <a:r>
-              <a:rPr lang="en-US" sz="1200" dirty="0">
-                <a:solidFill>
-                  <a:srgbClr val="3D4C53"/>
-                </a:solidFill>
-              </a:rPr>
-              <a:t>you lost an important document or exam? </a:t>
+              <a:t>d) Have you lost an important document or exam? </a:t>
             </a:r>
           </a:p>
           <a:p>
@@ -10728,7 +10591,7 @@
           <p:cNvPr id="12" name="CaixaDeTexto 11">
             <a:extLst>
               <a:ext uri="{FF2B5EF4-FFF2-40B4-BE49-F238E27FC236}">
-                <a16:creationId xmlns="" xmlns:a16="http://schemas.microsoft.com/office/drawing/2014/main" id="{EFE1516C-F1F0-4447-85C4-110611776AFE}"/>
+                <a16:creationId xmlns:a16="http://schemas.microsoft.com/office/drawing/2014/main" id="{EFE1516C-F1F0-4447-85C4-110611776AFE}"/>
               </a:ext>
             </a:extLst>
           </p:cNvPr>
@@ -10752,24 +10615,14 @@
           <a:lstStyle/>
           <a:p>
             <a:r>
-              <a:rPr lang="pt-BR" sz="1400" b="1" dirty="0" smtClean="0">
+              <a:rPr lang="pt-BR" sz="1400" b="1" dirty="0">
                 <a:solidFill>
                   <a:schemeClr val="accent6">
                     <a:lumMod val="50000"/>
                   </a:schemeClr>
                 </a:solidFill>
               </a:rPr>
-              <a:t>4 - PERGUNTAS </a:t>
-            </a:r>
-            <a:r>
-              <a:rPr lang="pt-BR" sz="1400" b="1" dirty="0">
-                <a:solidFill>
-                  <a:schemeClr val="accent6">
-                    <a:lumMod val="50000"/>
-                  </a:schemeClr>
-                </a:solidFill>
-              </a:rPr>
-              <a:t>PARA FLUÊNCIA</a:t>
+              <a:t>4 - PERGUNTAS PARA FLUÊNCIA</a:t>
             </a:r>
           </a:p>
         </p:txBody>
@@ -10779,7 +10632,7 @@
           <p:cNvPr id="13" name="Retângulo 12">
             <a:extLst>
               <a:ext uri="{FF2B5EF4-FFF2-40B4-BE49-F238E27FC236}">
-                <a16:creationId xmlns="" xmlns:a16="http://schemas.microsoft.com/office/drawing/2014/main" id="{CFA14F98-376D-4E78-84B2-423E55D173E0}"/>
+                <a16:creationId xmlns:a16="http://schemas.microsoft.com/office/drawing/2014/main" id="{CFA14F98-376D-4E78-84B2-423E55D173E0}"/>
               </a:ext>
             </a:extLst>
           </p:cNvPr>
@@ -10874,20 +10727,12 @@
               <a:defRPr/>
             </a:pPr>
             <a:r>
-              <a:rPr lang="en-US" sz="1200" dirty="0" smtClean="0">
+              <a:rPr lang="en-US" sz="1200" dirty="0">
                 <a:solidFill>
                   <a:srgbClr val="3D4C53"/>
                 </a:solidFill>
               </a:rPr>
-              <a:t>a) Do </a:t>
-            </a:r>
-            <a:r>
-              <a:rPr lang="en-US" sz="1200" dirty="0">
-                <a:solidFill>
-                  <a:srgbClr val="3D4C53"/>
-                </a:solidFill>
-              </a:rPr>
-              <a:t>you like going to beaches?</a:t>
+              <a:t>a) Do you like going to beaches?</a:t>
             </a:r>
             <a:endParaRPr lang="pt-BR" sz="1200" dirty="0">
               <a:solidFill>
@@ -10914,20 +10759,12 @@
               <a:defRPr/>
             </a:pPr>
             <a:r>
-              <a:rPr lang="en-US" sz="1200" dirty="0" smtClean="0">
+              <a:rPr lang="en-US" sz="1200" dirty="0">
                 <a:solidFill>
                   <a:srgbClr val="3D4C53"/>
                 </a:solidFill>
               </a:rPr>
-              <a:t>b) How </a:t>
-            </a:r>
-            <a:r>
-              <a:rPr lang="en-US" sz="1200" dirty="0">
-                <a:solidFill>
-                  <a:srgbClr val="3D4C53"/>
-                </a:solidFill>
-              </a:rPr>
-              <a:t>often do you go to a beach?</a:t>
+              <a:t>b) How often do you go to a beach?</a:t>
             </a:r>
             <a:endParaRPr lang="pt-BR" sz="1200" dirty="0">
               <a:solidFill>
@@ -10954,20 +10791,12 @@
               <a:defRPr/>
             </a:pPr>
             <a:r>
-              <a:rPr lang="en-US" sz="1200" dirty="0" smtClean="0">
+              <a:rPr lang="en-US" sz="1200" dirty="0">
                 <a:solidFill>
                   <a:srgbClr val="3D4C53"/>
                 </a:solidFill>
               </a:rPr>
-              <a:t>c) What’s </a:t>
-            </a:r>
-            <a:r>
-              <a:rPr lang="en-US" sz="1200" dirty="0">
-                <a:solidFill>
-                  <a:srgbClr val="3D4C53"/>
-                </a:solidFill>
-              </a:rPr>
-              <a:t>your favorite thing to do at the beach</a:t>
+              <a:t>c) What’s your favorite thing to do at the beach</a:t>
             </a:r>
             <a:r>
               <a:rPr kumimoji="0" lang="en-US" sz="1200" b="0" i="0" u="none" strike="noStrike" kern="0" cap="none" spc="0" normalizeH="0" baseline="0" noProof="0" dirty="0">
@@ -11138,7 +10967,7 @@
           <p:cNvPr id="14" name="Retângulo 13">
             <a:extLst>
               <a:ext uri="{FF2B5EF4-FFF2-40B4-BE49-F238E27FC236}">
-                <a16:creationId xmlns="" xmlns:a16="http://schemas.microsoft.com/office/drawing/2014/main" id="{973161C6-63D6-4A0B-9407-761285AB8461}"/>
+                <a16:creationId xmlns:a16="http://schemas.microsoft.com/office/drawing/2014/main" id="{973161C6-63D6-4A0B-9407-761285AB8461}"/>
               </a:ext>
             </a:extLst>
           </p:cNvPr>
@@ -11202,20 +11031,12 @@
           </a:p>
           <a:p>
             <a:r>
-              <a:rPr lang="en-US" sz="1200" dirty="0" smtClean="0">
+              <a:rPr lang="en-US" sz="1200" dirty="0">
                 <a:solidFill>
                   <a:srgbClr val="3D4C53"/>
                 </a:solidFill>
               </a:rPr>
-              <a:t>a) What </a:t>
-            </a:r>
-            <a:r>
-              <a:rPr lang="en-US" sz="1200" dirty="0">
-                <a:solidFill>
-                  <a:srgbClr val="3D4C53"/>
-                </a:solidFill>
-              </a:rPr>
-              <a:t>are you the best at cooking?</a:t>
+              <a:t>a) What are you the best at cooking?</a:t>
             </a:r>
             <a:endParaRPr lang="pt-BR" sz="1200" dirty="0">
               <a:solidFill>
@@ -11242,20 +11063,12 @@
               <a:defRPr/>
             </a:pPr>
             <a:r>
-              <a:rPr lang="en-US" sz="1200" dirty="0" smtClean="0">
+              <a:rPr lang="en-US" sz="1200" dirty="0">
                 <a:solidFill>
                   <a:srgbClr val="3D4C53"/>
                 </a:solidFill>
               </a:rPr>
-              <a:t>b) What </a:t>
-            </a:r>
-            <a:r>
-              <a:rPr lang="en-US" sz="1200" dirty="0">
-                <a:solidFill>
-                  <a:srgbClr val="3D4C53"/>
-                </a:solidFill>
-              </a:rPr>
-              <a:t>are you the worst at cooking?</a:t>
+              <a:t>b) What are you the worst at cooking?</a:t>
             </a:r>
             <a:endParaRPr lang="pt-BR" sz="1200" dirty="0">
               <a:solidFill>
@@ -11282,20 +11095,12 @@
               <a:defRPr/>
             </a:pPr>
             <a:r>
-              <a:rPr lang="en-US" sz="1200" dirty="0" smtClean="0">
+              <a:rPr lang="en-US" sz="1200" dirty="0">
                 <a:solidFill>
                   <a:srgbClr val="3D4C53"/>
                 </a:solidFill>
               </a:rPr>
-              <a:t>c) Who </a:t>
-            </a:r>
-            <a:r>
-              <a:rPr lang="en-US" sz="1200" dirty="0">
-                <a:solidFill>
-                  <a:srgbClr val="3D4C53"/>
-                </a:solidFill>
-              </a:rPr>
-              <a:t>is the best cook you know?</a:t>
+              <a:t>c) Who is the best cook you know?</a:t>
             </a:r>
           </a:p>
           <a:p>
@@ -11377,7 +11182,7 @@
           <p:cNvPr id="15" name="Retângulo 14">
             <a:extLst>
               <a:ext uri="{FF2B5EF4-FFF2-40B4-BE49-F238E27FC236}">
-                <a16:creationId xmlns="" xmlns:a16="http://schemas.microsoft.com/office/drawing/2014/main" id="{C07E3C28-1E14-494C-932E-8B09194AD999}"/>
+                <a16:creationId xmlns:a16="http://schemas.microsoft.com/office/drawing/2014/main" id="{C07E3C28-1E14-494C-932E-8B09194AD999}"/>
               </a:ext>
             </a:extLst>
           </p:cNvPr>
@@ -11451,7 +11256,7 @@
               <a:defRPr/>
             </a:pPr>
             <a:r>
-              <a:rPr kumimoji="0" lang="en-US" sz="1200" b="0" i="0" u="none" strike="noStrike" kern="0" cap="none" spc="0" normalizeH="0" baseline="0" noProof="0" dirty="0" smtClean="0">
+              <a:rPr kumimoji="0" lang="en-US" sz="1200" b="0" i="0" u="none" strike="noStrike" kern="0" cap="none" spc="0" normalizeH="0" baseline="0" noProof="0" dirty="0">
                 <a:ln>
                   <a:noFill/>
                 </a:ln>
@@ -11467,7 +11272,7 @@
               <a:t>a) </a:t>
             </a:r>
             <a:r>
-              <a:rPr lang="en-US" sz="1200" dirty="0" smtClean="0">
+              <a:rPr lang="en-US" sz="1200" dirty="0">
                 <a:solidFill>
                   <a:srgbClr val="3D4C53"/>
                 </a:solidFill>
@@ -11475,7 +11280,7 @@
               <a:t>What</a:t>
             </a:r>
             <a:r>
-              <a:rPr kumimoji="0" lang="en-US" sz="1200" b="0" i="0" u="none" strike="noStrike" kern="0" cap="none" spc="0" normalizeH="0" baseline="0" noProof="0" dirty="0" smtClean="0">
+              <a:rPr kumimoji="0" lang="en-US" sz="1200" b="0" i="0" u="none" strike="noStrike" kern="0" cap="none" spc="0" normalizeH="0" baseline="0" noProof="0" dirty="0">
                 <a:ln>
                   <a:noFill/>
                 </a:ln>
@@ -11518,20 +11323,12 @@
               <a:defRPr/>
             </a:pPr>
             <a:r>
-              <a:rPr lang="en-US" sz="1200" dirty="0" smtClean="0">
+              <a:rPr lang="en-US" sz="1200" dirty="0">
                 <a:solidFill>
                   <a:srgbClr val="3D4C53"/>
                 </a:solidFill>
               </a:rPr>
-              <a:t>b) What </a:t>
-            </a:r>
-            <a:r>
-              <a:rPr lang="en-US" sz="1200" dirty="0">
-                <a:solidFill>
-                  <a:srgbClr val="3D4C53"/>
-                </a:solidFill>
-              </a:rPr>
-              <a:t>is the weirdest thing you’ve Googled?</a:t>
+              <a:t>b) What is the weirdest thing you’ve Googled?</a:t>
             </a:r>
           </a:p>
           <a:p>
@@ -11553,20 +11350,12 @@
               <a:defRPr/>
             </a:pPr>
             <a:r>
-              <a:rPr lang="en-US" sz="1200" dirty="0" smtClean="0">
+              <a:rPr lang="en-US" sz="1200" dirty="0">
                 <a:solidFill>
                   <a:srgbClr val="3D4C53"/>
                 </a:solidFill>
               </a:rPr>
-              <a:t>c) How </a:t>
-            </a:r>
-            <a:r>
-              <a:rPr lang="en-US" sz="1200" dirty="0">
-                <a:solidFill>
-                  <a:srgbClr val="3D4C53"/>
-                </a:solidFill>
-              </a:rPr>
-              <a:t>important is Google today?</a:t>
+              <a:t>c) How important is Google today?</a:t>
             </a:r>
           </a:p>
           <a:p>
@@ -11698,7 +11487,7 @@
           <p:cNvPr id="16" name="CaixaDeTexto 15">
             <a:extLst>
               <a:ext uri="{FF2B5EF4-FFF2-40B4-BE49-F238E27FC236}">
-                <a16:creationId xmlns="" xmlns:a16="http://schemas.microsoft.com/office/drawing/2014/main" id="{219D4F4C-23C3-48B1-BE6E-411C4760FC8A}"/>
+                <a16:creationId xmlns:a16="http://schemas.microsoft.com/office/drawing/2014/main" id="{219D4F4C-23C3-48B1-BE6E-411C4760FC8A}"/>
               </a:ext>
             </a:extLst>
           </p:cNvPr>
